--- a/LDAP-RTC-Sync/docs/LDAP-RTCSync.pptx
+++ b/LDAP-RTC-Sync/docs/LDAP-RTCSync.pptx
@@ -216,7 +216,7 @@
           <a:p>
             <a:fld id="{02ECFB17-25FB-6440-9A68-1AFA733DE34F}" type="datetimeFigureOut">
               <a:rPr lang="en-US" smtClean="0"/>
-              <a:t>3/14/17</a:t>
+              <a:t>3/15/17</a:t>
             </a:fld>
             <a:endParaRPr lang="en-US"/>
           </a:p>
@@ -875,14 +875,14 @@
           </a:ln>
           <a:extLst>
             <a:ext uri="{909E8E84-426E-40dd-AFC4-6F175D3DCCD1}">
-              <a14:hiddenFill xmlns="" xmlns:a14="http://schemas.microsoft.com/office/drawing/2010/main">
+              <a14:hiddenFill xmlns:a14="http://schemas.microsoft.com/office/drawing/2010/main" xmlns="">
                 <a:solidFill>
                   <a:srgbClr val="FFFFFF"/>
                 </a:solidFill>
               </a14:hiddenFill>
             </a:ext>
             <a:ext uri="{91240B29-F687-4f45-9708-019B960494DF}">
-              <a14:hiddenLine xmlns="" xmlns:a14="http://schemas.microsoft.com/office/drawing/2010/main" w="9525">
+              <a14:hiddenLine xmlns:a14="http://schemas.microsoft.com/office/drawing/2010/main" xmlns="" w="9525">
                 <a:solidFill>
                   <a:srgbClr val="000000"/>
                 </a:solidFill>
@@ -1273,14 +1273,14 @@
           </a:ln>
           <a:extLst>
             <a:ext uri="{909E8E84-426E-40dd-AFC4-6F175D3DCCD1}">
-              <a14:hiddenFill xmlns="" xmlns:a14="http://schemas.microsoft.com/office/drawing/2010/main">
+              <a14:hiddenFill xmlns:a14="http://schemas.microsoft.com/office/drawing/2010/main" xmlns="">
                 <a:solidFill>
                   <a:srgbClr val="FFFFFF"/>
                 </a:solidFill>
               </a14:hiddenFill>
             </a:ext>
             <a:ext uri="{91240B29-F687-4f45-9708-019B960494DF}">
-              <a14:hiddenLine xmlns="" xmlns:a14="http://schemas.microsoft.com/office/drawing/2010/main" w="9525">
+              <a14:hiddenLine xmlns:a14="http://schemas.microsoft.com/office/drawing/2010/main" xmlns="" w="9525">
                 <a:solidFill>
                   <a:srgbClr val="000000"/>
                 </a:solidFill>
@@ -1582,14 +1582,14 @@
             </a:ln>
             <a:extLst>
               <a:ext uri="{909E8E84-426E-40dd-AFC4-6F175D3DCCD1}">
-                <a14:hiddenFill xmlns="" xmlns:a14="http://schemas.microsoft.com/office/drawing/2010/main">
+                <a14:hiddenFill xmlns:a14="http://schemas.microsoft.com/office/drawing/2010/main" xmlns="">
                   <a:solidFill>
                     <a:srgbClr val="FFFFFF"/>
                   </a:solidFill>
                 </a14:hiddenFill>
               </a:ext>
               <a:ext uri="{91240B29-F687-4f45-9708-019B960494DF}">
-                <a14:hiddenLine xmlns="" xmlns:a14="http://schemas.microsoft.com/office/drawing/2010/main" w="9525">
+                <a14:hiddenLine xmlns:a14="http://schemas.microsoft.com/office/drawing/2010/main" xmlns="" w="9525">
                   <a:solidFill>
                     <a:srgbClr val="000000"/>
                   </a:solidFill>
@@ -2764,14 +2764,14 @@
           </a:ln>
           <a:extLst>
             <a:ext uri="{909E8E84-426E-40dd-AFC4-6F175D3DCCD1}">
-              <a14:hiddenFill xmlns="" xmlns:a14="http://schemas.microsoft.com/office/drawing/2010/main">
+              <a14:hiddenFill xmlns:a14="http://schemas.microsoft.com/office/drawing/2010/main" xmlns="">
                 <a:solidFill>
                   <a:srgbClr val="FFFFFF"/>
                 </a:solidFill>
               </a14:hiddenFill>
             </a:ext>
             <a:ext uri="{91240B29-F687-4f45-9708-019B960494DF}">
-              <a14:hiddenLine xmlns="" xmlns:a14="http://schemas.microsoft.com/office/drawing/2010/main" w="9525">
+              <a14:hiddenLine xmlns:a14="http://schemas.microsoft.com/office/drawing/2010/main" xmlns="" w="9525">
                 <a:solidFill>
                   <a:srgbClr val="000000"/>
                 </a:solidFill>
@@ -2880,14 +2880,14 @@
               <ma14:placeholderFlag xmlns:ma14="http://schemas.microsoft.com/office/mac/drawingml/2011/main" val="1"/>
             </a:ext>
             <a:ext uri="{909E8E84-426E-40dd-AFC4-6F175D3DCCD1}">
-              <a14:hiddenFill xmlns="" xmlns:a14="http://schemas.microsoft.com/office/drawing/2010/main">
+              <a14:hiddenFill xmlns:a14="http://schemas.microsoft.com/office/drawing/2010/main" xmlns="">
                 <a:solidFill>
                   <a:srgbClr val="FFFFFF"/>
                 </a:solidFill>
               </a14:hiddenFill>
             </a:ext>
             <a:ext uri="{91240B29-F687-4f45-9708-019B960494DF}">
-              <a14:hiddenLine xmlns="" xmlns:a14="http://schemas.microsoft.com/office/drawing/2010/main" w="9525">
+              <a14:hiddenLine xmlns:a14="http://schemas.microsoft.com/office/drawing/2010/main" xmlns="" w="9525">
                 <a:solidFill>
                   <a:srgbClr val="000000"/>
                 </a:solidFill>
@@ -3194,14 +3194,14 @@
             </a:ln>
             <a:extLst>
               <a:ext uri="{909E8E84-426E-40dd-AFC4-6F175D3DCCD1}">
-                <a14:hiddenFill xmlns="" xmlns:a14="http://schemas.microsoft.com/office/drawing/2010/main">
+                <a14:hiddenFill xmlns:a14="http://schemas.microsoft.com/office/drawing/2010/main" xmlns="">
                   <a:solidFill>
                     <a:srgbClr val="FFFFFF"/>
                   </a:solidFill>
                 </a14:hiddenFill>
               </a:ext>
               <a:ext uri="{91240B29-F687-4f45-9708-019B960494DF}">
-                <a14:hiddenLine xmlns="" xmlns:a14="http://schemas.microsoft.com/office/drawing/2010/main" w="9525">
+                <a14:hiddenLine xmlns:a14="http://schemas.microsoft.com/office/drawing/2010/main" xmlns="" w="9525">
                   <a:solidFill>
                     <a:srgbClr val="000000"/>
                   </a:solidFill>
@@ -5308,7 +5308,24 @@
             </a:pPr>
             <a:r>
               <a:rPr lang="en-GB" sz="2160" dirty="0" smtClean="0"/>
-              <a:t>Updated Design</a:t>
+              <a:t>Updated </a:t>
+            </a:r>
+            <a:r>
+              <a:rPr lang="en-GB" sz="2160" dirty="0" smtClean="0"/>
+              <a:t>Design</a:t>
+            </a:r>
+          </a:p>
+          <a:p>
+            <a:pPr>
+              <a:lnSpc>
+                <a:spcPct val="100000"/>
+              </a:lnSpc>
+              <a:buFont typeface="Arial" panose="020B0604020202020204" pitchFamily="34" charset="0"/>
+              <a:buChar char="•"/>
+            </a:pPr>
+            <a:r>
+              <a:rPr lang="en-GB" sz="2160" dirty="0" smtClean="0"/>
+              <a:t>Demo</a:t>
             </a:r>
             <a:endParaRPr lang="en-GB" sz="2160" dirty="0" smtClean="0"/>
           </a:p>
@@ -5760,15 +5777,43 @@
             </a:pPr>
             <a:r>
               <a:rPr lang="en-US" dirty="0"/>
-              <a:t>Initial </a:t>
-            </a:r>
-            <a:r>
-              <a:rPr lang="en-US" dirty="0"/>
-              <a:t>implementation</a:t>
-            </a:r>
-            <a:r>
-              <a:rPr lang="en-US" dirty="0"/>
-              <a:t> targeted for end of March</a:t>
+              <a:t>Initial implementation targeted for end of </a:t>
+            </a:r>
+            <a:r>
+              <a:rPr lang="en-US" dirty="0" smtClean="0"/>
+              <a:t>March</a:t>
+            </a:r>
+          </a:p>
+          <a:p>
+            <a:pPr marL="742950" lvl="1" indent="-396875">
+              <a:spcBef>
+                <a:spcPct val="20000"/>
+              </a:spcBef>
+              <a:buChar char="–"/>
+            </a:pPr>
+            <a:r>
+              <a:rPr lang="en-US" dirty="0" smtClean="0"/>
+              <a:t>Syncing users and repository permissions is complete (uses existing </a:t>
+            </a:r>
+            <a:r>
+              <a:rPr lang="en-US" dirty="0" err="1" smtClean="0"/>
+              <a:t>repotools_syncUsers</a:t>
+            </a:r>
+            <a:r>
+              <a:rPr lang="en-US" dirty="0" smtClean="0"/>
+              <a:t>)</a:t>
+            </a:r>
+          </a:p>
+          <a:p>
+            <a:pPr marL="742950" lvl="1" indent="-396875">
+              <a:spcBef>
+                <a:spcPct val="20000"/>
+              </a:spcBef>
+              <a:buChar char="–"/>
+            </a:pPr>
+            <a:r>
+              <a:rPr lang="en-US" dirty="0" smtClean="0"/>
+              <a:t>Syncing administrators and members of a project area is complete</a:t>
             </a:r>
             <a:endParaRPr lang="en-US" dirty="0"/>
           </a:p>
@@ -5849,50 +5894,125 @@
             <a:off x="208150" y="1266445"/>
             <a:ext cx="9952567" cy="4903127"/>
           </a:xfrm>
+          <a:noFill/>
+          <a:ln>
+            <a:noFill/>
+          </a:ln>
+          <a:effectLst/>
+          <a:extLst>
+            <a:ext uri="{909E8E84-426E-40DD-AFC4-6F175D3DCCD1}">
+              <a14:hiddenFill xmlns:a14="http://schemas.microsoft.com/office/drawing/2010/main">
+                <a:solidFill>
+                  <a:schemeClr val="accent1"/>
+                </a:solidFill>
+              </a14:hiddenFill>
+            </a:ext>
+            <a:ext uri="{91240B29-F687-4F45-9708-019B960494DF}">
+              <a14:hiddenLine xmlns:a14="http://schemas.microsoft.com/office/drawing/2010/main" w="9525">
+                <a:solidFill>
+                  <a:schemeClr val="tx1"/>
+                </a:solidFill>
+                <a:miter lim="800000"/>
+                <a:headEnd/>
+                <a:tailEnd/>
+              </a14:hiddenLine>
+            </a:ext>
+            <a:ext uri="{AF507438-7753-43E0-B8FC-AC1667EBCBE1}">
+              <a14:hiddenEffects xmlns:a14="http://schemas.microsoft.com/office/drawing/2010/main">
+                <a:effectLst>
+                  <a:outerShdw blurRad="63500" dist="38099" dir="2700000" algn="ctr" rotWithShape="0">
+                    <a:schemeClr val="bg2">
+                      <a:alpha val="74997"/>
+                    </a:schemeClr>
+                  </a:outerShdw>
+                </a:effectLst>
+              </a14:hiddenEffects>
+            </a:ext>
+          </a:extLst>
         </p:spPr>
         <p:txBody>
-          <a:bodyPr/>
+          <a:bodyPr vert="horz" wrap="square" lIns="0" tIns="0" rIns="0" bIns="0" numCol="1" anchor="t" anchorCtr="0" compatLnSpc="1">
+            <a:prstTxWarp prst="textNoShape">
+              <a:avLst/>
+            </a:prstTxWarp>
+            <a:normAutofit fontScale="92500" lnSpcReduction="10000"/>
+          </a:bodyPr>
           <a:lstStyle/>
           <a:p>
-            <a:pPr marL="457200" indent="-457200">
-              <a:buFont typeface="+mj-lt"/>
-              <a:buAutoNum type="arabicPeriod"/>
+            <a:pPr marL="231775" indent="-231775">
+              <a:spcBef>
+                <a:spcPct val="20000"/>
+              </a:spcBef>
+              <a:buChar char="•"/>
             </a:pPr>
             <a:r>
               <a:rPr lang="en-US" dirty="0"/>
               <a:t>LDAP </a:t>
             </a:r>
             <a:r>
-              <a:rPr lang="en-US" dirty="0" smtClean="0"/>
-              <a:t>(RACF backend only) used </a:t>
-            </a:r>
-            <a:r>
-              <a:rPr lang="en-US" dirty="0"/>
-              <a:t>to specify RTC user configuration information</a:t>
-            </a:r>
-          </a:p>
-          <a:p>
-            <a:pPr marL="457200" indent="-457200">
-              <a:buFont typeface="+mj-lt"/>
-              <a:buAutoNum type="arabicPeriod"/>
+              <a:rPr lang="en-US" dirty="0"/>
+              <a:t>(RACF backend only) groups and members used </a:t>
+            </a:r>
+            <a:r>
+              <a:rPr lang="en-US" dirty="0"/>
+              <a:t>to specify RTC user configuration </a:t>
+            </a:r>
+            <a:r>
+              <a:rPr lang="en-US" dirty="0"/>
+              <a:t>information</a:t>
+            </a:r>
+          </a:p>
+          <a:p>
+            <a:pPr marL="231775" indent="-231775">
+              <a:spcBef>
+                <a:spcPct val="20000"/>
+              </a:spcBef>
+              <a:buChar char="•"/>
+            </a:pPr>
+            <a:r>
+              <a:rPr lang="en-US" dirty="0"/>
+              <a:t>Server users, repository permissions, name and email updates are handled by existing </a:t>
+            </a:r>
+            <a:r>
+              <a:rPr lang="en-US" dirty="0" err="1"/>
+              <a:t>repotools_userSync</a:t>
+            </a:r>
+            <a:endParaRPr lang="en-US" dirty="0"/>
+          </a:p>
+          <a:p>
+            <a:pPr marL="231775" indent="-231775">
+              <a:spcBef>
+                <a:spcPct val="20000"/>
+              </a:spcBef>
+              <a:buChar char="•"/>
             </a:pPr>
             <a:r>
               <a:rPr lang="en-US" dirty="0"/>
               <a:t>Command line app </a:t>
             </a:r>
             <a:r>
-              <a:rPr lang="en-US" dirty="0" smtClean="0"/>
+              <a:rPr lang="en-US" dirty="0"/>
               <a:t>LDAP2RTCSync </a:t>
             </a:r>
             <a:r>
               <a:rPr lang="en-US" dirty="0"/>
-              <a:t>used to update RTC user configuration from LDAP</a:t>
-            </a:r>
-          </a:p>
-          <a:p>
-            <a:pPr marL="457200" indent="-457200">
-              <a:buFont typeface="+mj-lt"/>
-              <a:buAutoNum type="arabicPeriod"/>
+              <a:t>used to update </a:t>
+            </a:r>
+            <a:r>
+              <a:rPr lang="en-US" dirty="0"/>
+              <a:t>RTC project area </a:t>
+            </a:r>
+            <a:r>
+              <a:rPr lang="en-US" dirty="0"/>
+              <a:t>user configuration from LDAP</a:t>
+            </a:r>
+          </a:p>
+          <a:p>
+            <a:pPr marL="742950" lvl="1" indent="-396875">
+              <a:spcBef>
+                <a:spcPct val="20000"/>
+              </a:spcBef>
+              <a:buChar char="–"/>
             </a:pPr>
             <a:r>
               <a:rPr lang="en-US" dirty="0"/>
@@ -5900,19 +6020,28 @@
             </a:r>
           </a:p>
           <a:p>
-            <a:pPr marL="457200" indent="-457200">
-              <a:buFont typeface="+mj-lt"/>
-              <a:buAutoNum type="arabicPeriod"/>
-            </a:pPr>
-            <a:r>
-              <a:rPr lang="en-US" dirty="0"/>
-              <a:t>Add/remove process roles to/from user</a:t>
-            </a:r>
-          </a:p>
-          <a:p>
-            <a:pPr marL="457200" indent="-457200">
-              <a:buFont typeface="+mj-lt"/>
-              <a:buAutoNum type="arabicPeriod"/>
+            <a:pPr marL="742950" lvl="1" indent="-396875">
+              <a:spcBef>
+                <a:spcPct val="20000"/>
+              </a:spcBef>
+              <a:buChar char="–"/>
+            </a:pPr>
+            <a:r>
+              <a:rPr lang="en-US" dirty="0"/>
+              <a:t>Add/remove process roles to/from </a:t>
+            </a:r>
+            <a:r>
+              <a:rPr lang="en-US" dirty="0"/>
+              <a:t>user or groups of users</a:t>
+            </a:r>
+            <a:endParaRPr lang="en-US" dirty="0"/>
+          </a:p>
+          <a:p>
+            <a:pPr marL="742950" lvl="1" indent="-396875">
+              <a:spcBef>
+                <a:spcPct val="20000"/>
+              </a:spcBef>
+              <a:buChar char="–"/>
             </a:pPr>
             <a:r>
               <a:rPr lang="en-US" dirty="0"/>
@@ -5927,28 +6056,53 @@
               <a:t> client access license to/from </a:t>
             </a:r>
             <a:r>
-              <a:rPr lang="en-US" dirty="0" smtClean="0"/>
+              <a:rPr lang="en-US" dirty="0"/>
               <a:t>user</a:t>
             </a:r>
           </a:p>
           <a:p>
-            <a:pPr marL="457200" indent="-457200">
-              <a:buFont typeface="+mj-lt"/>
-              <a:buAutoNum type="arabicPeriod"/>
-            </a:pPr>
-            <a:r>
-              <a:rPr lang="en-US" dirty="0" smtClean="0"/>
-              <a:t>Update user name and email address</a:t>
-            </a:r>
-          </a:p>
-          <a:p>
-            <a:pPr marL="457200" indent="-457200">
-              <a:buFont typeface="+mj-lt"/>
-              <a:buAutoNum type="arabicPeriod"/>
-            </a:pPr>
-            <a:r>
-              <a:rPr lang="en-US" dirty="0" smtClean="0"/>
-              <a:t>Use LDAP Groups to organize collections of users with similar needs and apply the group to project or team areas, add process roles or assign licenses to everyone in the group.</a:t>
+            <a:pPr marL="231775" indent="-231775">
+              <a:spcBef>
+                <a:spcPct val="20000"/>
+              </a:spcBef>
+              <a:buChar char="•"/>
+            </a:pPr>
+            <a:r>
+              <a:rPr lang="en-US" dirty="0" smtClean="0"/>
+              <a:t>Use </a:t>
+            </a:r>
+            <a:r>
+              <a:rPr lang="en-US" dirty="0"/>
+              <a:t>LDAP Groups to organize collections of users with similar needs and apply the group to project or team areas, add process roles or assign licenses to everyone in the group.</a:t>
+            </a:r>
+          </a:p>
+          <a:p>
+            <a:pPr marL="231775" indent="-231775">
+              <a:spcBef>
+                <a:spcPct val="20000"/>
+              </a:spcBef>
+              <a:buChar char="•"/>
+            </a:pPr>
+            <a:r>
+              <a:rPr lang="en-US" dirty="0"/>
+              <a:t>Encrypt passwords in JSON </a:t>
+            </a:r>
+            <a:r>
+              <a:rPr lang="en-US" dirty="0" smtClean="0"/>
+              <a:t>file if any</a:t>
+            </a:r>
+            <a:endParaRPr lang="en-US" dirty="0"/>
+          </a:p>
+          <a:p>
+            <a:pPr marL="231775" indent="-231775">
+              <a:spcBef>
+                <a:spcPct val="20000"/>
+              </a:spcBef>
+              <a:buChar char="•"/>
+            </a:pPr>
+            <a:r>
+              <a:rPr lang="en-US" dirty="0"/>
+              <a:t>Where ever an LDAP group can be specified, allow specification of multiple LDAP groups</a:t>
             </a:r>
             <a:endParaRPr lang="en-US" dirty="0"/>
           </a:p>
@@ -6078,27 +6232,13 @@
             </a:pPr>
             <a:r>
               <a:rPr lang="en-US" dirty="0"/>
-              <a:t>LDAP RTC </a:t>
-            </a:r>
-            <a:r>
-              <a:rPr lang="en-US" dirty="0"/>
-              <a:t>configuration </a:t>
-            </a:r>
-            <a:r>
-              <a:rPr lang="en-US" dirty="0"/>
-              <a:t>is required, see </a:t>
+              <a:t>LDAP RTC configuration is required, see </a:t>
             </a:r>
             <a:r>
               <a:rPr lang="en-US" dirty="0">
                 <a:hlinkClick r:id="rId2"/>
               </a:rPr>
-              <a:t>Managing users by using </a:t>
-            </a:r>
-            <a:r>
-              <a:rPr lang="en-US" dirty="0">
-                <a:hlinkClick r:id="rId2"/>
-              </a:rPr>
-              <a:t>LDAP</a:t>
+              <a:t>Managing users by using LDAP</a:t>
             </a:r>
             <a:endParaRPr lang="en-US" dirty="0"/>
           </a:p>
@@ -6113,7 +6253,6 @@
               <a:rPr lang="en-US" dirty="0"/>
               <a:t>Additional Project and Team Area configuration information is in a JSON configuration file</a:t>
             </a:r>
-            <a:endParaRPr lang="en-US" dirty="0"/>
           </a:p>
           <a:p>
             <a:pPr marL="231775" indent="-231775">
@@ -6136,15 +6275,7 @@
             </a:pPr>
             <a:r>
               <a:rPr lang="en-US" dirty="0"/>
-              <a:t>Uses </a:t>
-            </a:r>
-            <a:r>
-              <a:rPr lang="en-US" dirty="0"/>
-              <a:t>existing LDAP admin </a:t>
-            </a:r>
-            <a:r>
-              <a:rPr lang="en-US" dirty="0"/>
-              <a:t>tools for </a:t>
+              <a:t>Uses existing LDAP admin tools for </a:t>
             </a:r>
             <a:r>
               <a:rPr lang="en-US" dirty="0" smtClean="0"/>
@@ -6241,7 +6372,11 @@
           <a:p>
             <a:r>
               <a:rPr lang="en-US" sz="4400" dirty="0" smtClean="0"/>
-              <a:t>3. RTC configuration </a:t>
+              <a:t>RTC </a:t>
+            </a:r>
+            <a:r>
+              <a:rPr lang="en-US" sz="4400" dirty="0" smtClean="0"/>
+              <a:t>configuration </a:t>
             </a:r>
             <a:r>
               <a:rPr lang="en-US" sz="4400" dirty="0"/>
@@ -6278,19 +6413,7 @@
             </a:pPr>
             <a:r>
               <a:rPr lang="en-US" dirty="0" smtClean="0"/>
-              <a:t>TDS/RACF </a:t>
-            </a:r>
-            <a:r>
-              <a:rPr lang="en-US" dirty="0" smtClean="0"/>
-              <a:t>is used </a:t>
-            </a:r>
-            <a:r>
-              <a:rPr lang="en-US" dirty="0" smtClean="0"/>
-              <a:t>to manage corporate users and </a:t>
-            </a:r>
-            <a:r>
-              <a:rPr lang="en-US" dirty="0" smtClean="0"/>
-              <a:t>groups using existing LDAP-JTS </a:t>
+              <a:t>TDS/RACF is used to manage corporate users and groups using existing LDAP-JTS </a:t>
             </a:r>
             <a:r>
               <a:rPr lang="en-US" dirty="0" err="1" smtClean="0"/>
@@ -6305,15 +6428,7 @@
             </a:pPr>
             <a:r>
               <a:rPr lang="en-US" dirty="0" smtClean="0"/>
-              <a:t>RTC configuration is in a separate </a:t>
-            </a:r>
-            <a:r>
-              <a:rPr lang="en-US" dirty="0" smtClean="0"/>
-              <a:t>JSON </a:t>
-            </a:r>
-            <a:r>
-              <a:rPr lang="en-US" dirty="0" smtClean="0"/>
-              <a:t>file</a:t>
+              <a:t>RTC configuration is in a separate JSON file</a:t>
             </a:r>
           </a:p>
           <a:p>
@@ -6333,21 +6448,8 @@
             </a:pPr>
             <a:r>
               <a:rPr lang="en-US" dirty="0" smtClean="0"/>
-              <a:t>Minimal initial investment costs, but possibly </a:t>
-            </a:r>
-            <a:r>
-              <a:rPr lang="en-US" dirty="0" smtClean="0"/>
-              <a:t>higher incremental </a:t>
-            </a:r>
-            <a:r>
-              <a:rPr lang="en-US" dirty="0" smtClean="0"/>
-              <a:t>usage </a:t>
-            </a:r>
-            <a:r>
-              <a:rPr lang="en-US" dirty="0" smtClean="0"/>
-              <a:t>cost (editing JSON)</a:t>
-            </a:r>
-            <a:endParaRPr lang="en-US" dirty="0" smtClean="0"/>
+              <a:t>Minimal initial investment costs, but possibly higher incremental usage cost (editing JSON)</a:t>
+            </a:r>
           </a:p>
           <a:p>
             <a:pPr marL="457200" indent="-457200">
@@ -6356,11 +6458,7 @@
             </a:pPr>
             <a:r>
               <a:rPr lang="en-US" dirty="0" smtClean="0"/>
-              <a:t>RTC configuration file is edited with a text </a:t>
-            </a:r>
-            <a:r>
-              <a:rPr lang="en-US" dirty="0" smtClean="0"/>
-              <a:t>editor</a:t>
+              <a:t>RTC configuration file is edited with a text editor</a:t>
             </a:r>
             <a:endParaRPr lang="en-US" dirty="0"/>
           </a:p>
@@ -6371,13 +6469,8 @@
             </a:pPr>
             <a:r>
               <a:rPr lang="en-US" dirty="0" smtClean="0"/>
-              <a:t>Requires a mapping between LDAP groups and RTC project and team areas, process roles and client access licenses that </a:t>
-            </a:r>
-            <a:r>
-              <a:rPr lang="en-US" dirty="0" smtClean="0"/>
-              <a:t>must be maintained</a:t>
-            </a:r>
-            <a:endParaRPr lang="en-US" dirty="0" smtClean="0"/>
+              <a:t>Requires a mapping between LDAP groups and RTC project and team areas, process roles and client access licenses that must be maintained</a:t>
+            </a:r>
           </a:p>
           <a:p>
             <a:pPr marL="457200" indent="-457200">
@@ -6386,15 +6479,7 @@
             </a:pPr>
             <a:r>
               <a:rPr lang="en-US" dirty="0" smtClean="0"/>
-              <a:t>Maintenance of configuration file is eased though simplifying </a:t>
-            </a:r>
-            <a:r>
-              <a:rPr lang="en-US" dirty="0" smtClean="0"/>
-              <a:t>assumptions (see next chart</a:t>
-            </a:r>
-            <a:r>
-              <a:rPr lang="en-US" dirty="0" smtClean="0"/>
-              <a:t>)</a:t>
+              <a:t>Maintenance of configuration file is eased though simplifying assumptions (see next chart)</a:t>
             </a:r>
             <a:endParaRPr lang="en-US" dirty="0"/>
           </a:p>
@@ -6840,11 +6925,112 @@
             </a:r>
             <a:r>
               <a:rPr lang="mr-IN" dirty="0" smtClean="0"/>
+              <a:t>”</a:t>
+            </a:r>
+            <a:r>
+              <a:rPr lang="en-US" dirty="0" err="1" smtClean="0"/>
+              <a:t>userId</a:t>
+            </a:r>
+            <a:r>
+              <a:rPr lang="mr-IN" dirty="0" smtClean="0"/>
+              <a:t>": </a:t>
+            </a:r>
+            <a:r>
+              <a:rPr lang="mr-IN" dirty="0"/>
               <a:t>"</a:t>
             </a:r>
             <a:r>
               <a:rPr lang="mr-IN" dirty="0" err="1"/>
-              <a:t>adminId</a:t>
+              <a:t>racfid</a:t>
+            </a:r>
+            <a:r>
+              <a:rPr lang="mr-IN" dirty="0"/>
+              <a:t>=</a:t>
+            </a:r>
+            <a:r>
+              <a:rPr lang="mr-IN" dirty="0" err="1"/>
+              <a:t>BGREEN,profiletype</a:t>
+            </a:r>
+            <a:r>
+              <a:rPr lang="mr-IN" dirty="0"/>
+              <a:t>=USER,CN=RACF255,O=IBM,C=RTC</a:t>
+            </a:r>
+            <a:r>
+              <a:rPr lang="mr-IN" dirty="0" smtClean="0"/>
+              <a:t>",</a:t>
+            </a:r>
+            <a:endParaRPr lang="en-US" dirty="0" smtClean="0"/>
+          </a:p>
+          <a:p>
+            <a:r>
+              <a:rPr lang="en-US" dirty="0"/>
+              <a:t> </a:t>
+            </a:r>
+            <a:r>
+              <a:rPr lang="en-US" dirty="0" smtClean="0"/>
+              <a:t>   </a:t>
+            </a:r>
+            <a:r>
+              <a:rPr lang="mr-IN" dirty="0" smtClean="0"/>
+              <a:t>”</a:t>
+            </a:r>
+            <a:r>
+              <a:rPr lang="en-US" dirty="0" smtClean="0"/>
+              <a:t>p</a:t>
+            </a:r>
+            <a:r>
+              <a:rPr lang="mr-IN" dirty="0" err="1" smtClean="0"/>
+              <a:t>assword</a:t>
+            </a:r>
+            <a:r>
+              <a:rPr lang="mr-IN" dirty="0"/>
+              <a:t>": "rtc2fun</a:t>
+            </a:r>
+            <a:r>
+              <a:rPr lang="mr-IN" dirty="0" smtClean="0"/>
+              <a:t>"},</a:t>
+            </a:r>
+            <a:endParaRPr lang="en-US" dirty="0" smtClean="0"/>
+          </a:p>
+          <a:p>
+            <a:r>
+              <a:rPr lang="mr-IN" dirty="0" smtClean="0"/>
+              <a:t>  </a:t>
+            </a:r>
+            <a:r>
+              <a:rPr lang="mr-IN" dirty="0"/>
+              <a:t>"</a:t>
+            </a:r>
+            <a:r>
+              <a:rPr lang="mr-IN" dirty="0" err="1"/>
+              <a:t>RTCServers</a:t>
+            </a:r>
+            <a:r>
+              <a:rPr lang="mr-IN" dirty="0"/>
+              <a:t>": </a:t>
+            </a:r>
+            <a:r>
+              <a:rPr lang="mr-IN" dirty="0" smtClean="0"/>
+              <a:t>[{</a:t>
+            </a:r>
+            <a:endParaRPr lang="en-US" dirty="0" smtClean="0"/>
+          </a:p>
+          <a:p>
+            <a:r>
+              <a:rPr lang="en-US" dirty="0"/>
+              <a:t> </a:t>
+            </a:r>
+            <a:r>
+              <a:rPr lang="en-US" dirty="0" smtClean="0"/>
+              <a:t>       </a:t>
+            </a:r>
+            <a:r>
+              <a:rPr lang="mr-IN" dirty="0" smtClean="0"/>
+              <a:t>"</a:t>
+            </a:r>
+            <a:r>
+              <a:rPr lang="mr-IN" dirty="0" err="1"/>
+              <a:t>serverURI</a:t>
             </a:r>
             <a:r>
               <a:rPr lang="mr-IN" dirty="0"/>
@@ -6852,6 +7038,146 @@
             </a:r>
             <a:r>
               <a:rPr lang="mr-IN" dirty="0" err="1"/>
+              <a:t>https</a:t>
+            </a:r>
+            <a:r>
+              <a:rPr lang="mr-IN" dirty="0"/>
+              <a:t>://rtceerb.rtp.raleigh.ibm.com:9443/</a:t>
+            </a:r>
+            <a:r>
+              <a:rPr lang="mr-IN" dirty="0" err="1"/>
+              <a:t>ccm</a:t>
+            </a:r>
+            <a:r>
+              <a:rPr lang="mr-IN" dirty="0" smtClean="0"/>
+              <a:t>",</a:t>
+            </a:r>
+            <a:endParaRPr lang="en-US" dirty="0" smtClean="0"/>
+          </a:p>
+          <a:p>
+            <a:r>
+              <a:rPr lang="mr-IN" dirty="0" smtClean="0"/>
+              <a:t>    </a:t>
+            </a:r>
+            <a:r>
+              <a:rPr lang="mr-IN" dirty="0"/>
+              <a:t>"</a:t>
+            </a:r>
+            <a:r>
+              <a:rPr lang="mr-IN" dirty="0" err="1"/>
+              <a:t>admin</a:t>
+            </a:r>
+            <a:r>
+              <a:rPr lang="mr-IN" dirty="0"/>
+              <a:t>": "BGREEN</a:t>
+            </a:r>
+            <a:r>
+              <a:rPr lang="mr-IN" dirty="0" smtClean="0"/>
+              <a:t>",</a:t>
+            </a:r>
+            <a:endParaRPr lang="en-US" dirty="0" smtClean="0"/>
+          </a:p>
+          <a:p>
+            <a:r>
+              <a:rPr lang="mr-IN" dirty="0" smtClean="0"/>
+              <a:t>    </a:t>
+            </a:r>
+            <a:r>
+              <a:rPr lang="mr-IN" dirty="0"/>
+              <a:t>"</a:t>
+            </a:r>
+            <a:r>
+              <a:rPr lang="mr-IN" dirty="0" err="1"/>
+              <a:t>password</a:t>
+            </a:r>
+            <a:r>
+              <a:rPr lang="mr-IN" dirty="0"/>
+              <a:t>": "rtc2fun</a:t>
+            </a:r>
+            <a:r>
+              <a:rPr lang="mr-IN" dirty="0" smtClean="0"/>
+              <a:t>",</a:t>
+            </a:r>
+            <a:endParaRPr lang="en-US" dirty="0" smtClean="0"/>
+          </a:p>
+          <a:p>
+            <a:r>
+              <a:rPr lang="mr-IN" dirty="0" smtClean="0"/>
+              <a:t>    </a:t>
+            </a:r>
+            <a:r>
+              <a:rPr lang="mr-IN" dirty="0"/>
+              <a:t>"</a:t>
+            </a:r>
+            <a:r>
+              <a:rPr lang="mr-IN" dirty="0" err="1"/>
+              <a:t>Licenses</a:t>
+            </a:r>
+            <a:r>
+              <a:rPr lang="mr-IN" dirty="0"/>
+              <a:t>": </a:t>
+            </a:r>
+            <a:r>
+              <a:rPr lang="mr-IN" dirty="0" smtClean="0"/>
+              <a:t>[{</a:t>
+            </a:r>
+            <a:endParaRPr lang="en-US" dirty="0" smtClean="0"/>
+          </a:p>
+          <a:p>
+            <a:r>
+              <a:rPr lang="en-US" dirty="0"/>
+              <a:t> </a:t>
+            </a:r>
+            <a:r>
+              <a:rPr lang="en-US" dirty="0" smtClean="0"/>
+              <a:t>           </a:t>
+            </a:r>
+            <a:r>
+              <a:rPr lang="mr-IN" dirty="0" smtClean="0"/>
+              <a:t>"</a:t>
+            </a:r>
+            <a:r>
+              <a:rPr lang="mr-IN" dirty="0" err="1"/>
+              <a:t>Rational</a:t>
+            </a:r>
+            <a:r>
+              <a:rPr lang="mr-IN" dirty="0"/>
+              <a:t> </a:t>
+            </a:r>
+            <a:r>
+              <a:rPr lang="mr-IN" dirty="0" err="1"/>
+              <a:t>Team</a:t>
+            </a:r>
+            <a:r>
+              <a:rPr lang="mr-IN" dirty="0"/>
+              <a:t> </a:t>
+            </a:r>
+            <a:r>
+              <a:rPr lang="mr-IN" dirty="0" err="1"/>
+              <a:t>Concert</a:t>
+            </a:r>
+            <a:r>
+              <a:rPr lang="mr-IN" dirty="0"/>
+              <a:t> - Developer (</a:t>
+            </a:r>
+            <a:r>
+              <a:rPr lang="mr-IN" dirty="0" err="1"/>
+              <a:t>Trial</a:t>
+            </a:r>
+            <a:r>
+              <a:rPr lang="mr-IN" dirty="0" smtClean="0"/>
+              <a:t>)":</a:t>
+            </a:r>
+            <a:r>
+              <a:rPr lang="en-US" dirty="0" smtClean="0"/>
+              <a:t> </a:t>
+            </a:r>
+            <a:r>
+              <a:rPr lang="mr-IN" dirty="0" smtClean="0"/>
+              <a:t>"</a:t>
+            </a:r>
+            <a:r>
+              <a:rPr lang="mr-IN" dirty="0" err="1"/>
               <a:t>racfid</a:t>
             </a:r>
             <a:r>
@@ -6860,11 +7186,77 @@
             </a:r>
             <a:r>
               <a:rPr lang="mr-IN" dirty="0" err="1"/>
-              <a:t>BGREEN,profiletype</a:t>
+              <a:t>RTCFLT,profiletype</a:t>
             </a:r>
             <a:r>
               <a:rPr lang="mr-IN" dirty="0"/>
-              <a:t>=USER,CN=RACF255,O=IBM,C=RTC</a:t>
+              <a:t>=GROUP,CN=RACF255,O=IBM,C=RTC</a:t>
+            </a:r>
+            <a:r>
+              <a:rPr lang="mr-IN" dirty="0" smtClean="0"/>
+              <a:t>"}],</a:t>
+            </a:r>
+            <a:endParaRPr lang="en-US" dirty="0" smtClean="0"/>
+          </a:p>
+          <a:p>
+            <a:r>
+              <a:rPr lang="en-US" dirty="0"/>
+              <a:t> </a:t>
+            </a:r>
+            <a:r>
+              <a:rPr lang="en-US" dirty="0" smtClean="0"/>
+              <a:t>       </a:t>
+            </a:r>
+            <a:r>
+              <a:rPr lang="mr-IN" dirty="0" smtClean="0"/>
+              <a:t>"</a:t>
+            </a:r>
+            <a:r>
+              <a:rPr lang="mr-IN" dirty="0"/>
+              <a:t>Project </a:t>
+            </a:r>
+            <a:r>
+              <a:rPr lang="mr-IN" dirty="0" err="1"/>
+              <a:t>Areas</a:t>
+            </a:r>
+            <a:r>
+              <a:rPr lang="mr-IN" dirty="0"/>
+              <a:t>": </a:t>
+            </a:r>
+            <a:r>
+              <a:rPr lang="mr-IN" dirty="0" smtClean="0"/>
+              <a:t>[{</a:t>
+            </a:r>
+            <a:endParaRPr lang="en-US" dirty="0" smtClean="0"/>
+          </a:p>
+          <a:p>
+            <a:r>
+              <a:rPr lang="mr-IN" dirty="0" smtClean="0"/>
+              <a:t>        </a:t>
+            </a:r>
+            <a:r>
+              <a:rPr lang="mr-IN" dirty="0"/>
+              <a:t>"</a:t>
+            </a:r>
+            <a:r>
+              <a:rPr lang="mr-IN" dirty="0" err="1"/>
+              <a:t>name</a:t>
+            </a:r>
+            <a:r>
+              <a:rPr lang="mr-IN" dirty="0"/>
+              <a:t>": "</a:t>
+            </a:r>
+            <a:r>
+              <a:rPr lang="mr-IN" dirty="0" err="1"/>
+              <a:t>Pet</a:t>
+            </a:r>
+            <a:r>
+              <a:rPr lang="mr-IN" dirty="0"/>
+              <a:t> </a:t>
+            </a:r>
+            <a:r>
+              <a:rPr lang="mr-IN" dirty="0" err="1"/>
+              <a:t>Store</a:t>
             </a:r>
             <a:r>
               <a:rPr lang="mr-IN" dirty="0" smtClean="0"/>
@@ -6874,12 +7266,63 @@
           </a:p>
           <a:p>
             <a:r>
-              <a:rPr lang="en-US" dirty="0"/>
-              <a:t> </a:t>
-            </a:r>
-            <a:r>
-              <a:rPr lang="en-US" dirty="0" smtClean="0"/>
-              <a:t>   </a:t>
+              <a:rPr lang="mr-IN" dirty="0" smtClean="0"/>
+              <a:t>        </a:t>
+            </a:r>
+            <a:r>
+              <a:rPr lang="mr-IN" dirty="0"/>
+              <a:t>"</a:t>
+            </a:r>
+            <a:r>
+              <a:rPr lang="mr-IN" dirty="0" err="1"/>
+              <a:t>Administrators</a:t>
+            </a:r>
+            <a:r>
+              <a:rPr lang="mr-IN" dirty="0"/>
+              <a:t>": "</a:t>
+            </a:r>
+            <a:r>
+              <a:rPr lang="mr-IN" dirty="0" err="1"/>
+              <a:t>racfid</a:t>
+            </a:r>
+            <a:r>
+              <a:rPr lang="mr-IN" dirty="0"/>
+              <a:t>=</a:t>
+            </a:r>
+            <a:r>
+              <a:rPr lang="mr-IN" dirty="0" err="1"/>
+              <a:t>JAZPADMN,profiletype</a:t>
+            </a:r>
+            <a:r>
+              <a:rPr lang="mr-IN" dirty="0"/>
+              <a:t>=GROUP,CN=RACF255,O=IBM,C=RTC</a:t>
+            </a:r>
+            <a:r>
+              <a:rPr lang="mr-IN" dirty="0" smtClean="0"/>
+              <a:t>",</a:t>
+            </a:r>
+            <a:endParaRPr lang="en-US" dirty="0" smtClean="0"/>
+          </a:p>
+          <a:p>
+            <a:r>
+              <a:rPr lang="mr-IN" dirty="0" smtClean="0"/>
+              <a:t>        </a:t>
+            </a:r>
+            <a:r>
+              <a:rPr lang="mr-IN" dirty="0"/>
+              <a:t>"</a:t>
+            </a:r>
+            <a:r>
+              <a:rPr lang="mr-IN" dirty="0" err="1"/>
+              <a:t>Members</a:t>
+            </a:r>
+            <a:r>
+              <a:rPr lang="mr-IN" dirty="0"/>
+              <a:t>": </a:t>
+            </a:r>
+            <a:r>
+              <a:rPr lang="en-US" dirty="0" smtClean="0"/>
+              <a:t>         </a:t>
             </a:r>
             <a:r>
               <a:rPr lang="mr-IN" dirty="0" smtClean="0"/>
@@ -6887,11 +7330,171 @@
             </a:r>
             <a:r>
               <a:rPr lang="mr-IN" dirty="0" err="1"/>
-              <a:t>adminPassword</a:t>
+              <a:t>racfid</a:t>
             </a:r>
             <a:r>
               <a:rPr lang="mr-IN" dirty="0"/>
-              <a:t>": "rtc2fun</a:t>
+              <a:t>=</a:t>
+            </a:r>
+            <a:r>
+              <a:rPr lang="mr-IN" dirty="0" err="1"/>
+              <a:t>JAZZGRP,profiletype</a:t>
+            </a:r>
+            <a:r>
+              <a:rPr lang="mr-IN" dirty="0"/>
+              <a:t>=GROUP,CN=RACF255,O=IBM,C=RTC</a:t>
+            </a:r>
+            <a:r>
+              <a:rPr lang="mr-IN" dirty="0" smtClean="0"/>
+              <a:t>",</a:t>
+            </a:r>
+            <a:endParaRPr lang="en-US" dirty="0" smtClean="0"/>
+          </a:p>
+          <a:p>
+            <a:r>
+              <a:rPr lang="mr-IN" dirty="0" smtClean="0"/>
+              <a:t>        </a:t>
+            </a:r>
+            <a:r>
+              <a:rPr lang="mr-IN" dirty="0"/>
+              <a:t>"</a:t>
+            </a:r>
+            <a:r>
+              <a:rPr lang="mr-IN" dirty="0" err="1"/>
+              <a:t>Process</a:t>
+            </a:r>
+            <a:r>
+              <a:rPr lang="mr-IN" dirty="0"/>
+              <a:t> </a:t>
+            </a:r>
+            <a:r>
+              <a:rPr lang="mr-IN" dirty="0" err="1"/>
+              <a:t>Roles</a:t>
+            </a:r>
+            <a:r>
+              <a:rPr lang="mr-IN" dirty="0"/>
+              <a:t>": </a:t>
+            </a:r>
+            <a:r>
+              <a:rPr lang="mr-IN" dirty="0" smtClean="0"/>
+              <a:t>[</a:t>
+            </a:r>
+            <a:endParaRPr lang="en-US" dirty="0" smtClean="0"/>
+          </a:p>
+          <a:p>
+            <a:r>
+              <a:rPr lang="mr-IN" dirty="0" smtClean="0"/>
+              <a:t>            </a:t>
+            </a:r>
+            <a:r>
+              <a:rPr lang="mr-IN" dirty="0"/>
+              <a:t>{"</a:t>
+            </a:r>
+            <a:r>
+              <a:rPr lang="mr-IN" dirty="0" err="1" smtClean="0"/>
+              <a:t>Analyst</a:t>
+            </a:r>
+            <a:r>
+              <a:rPr lang="mr-IN" dirty="0" smtClean="0"/>
+              <a:t>": </a:t>
+            </a:r>
+            <a:r>
+              <a:rPr lang="en-US" dirty="0" smtClean="0"/>
+              <a:t>               </a:t>
+            </a:r>
+            <a:r>
+              <a:rPr lang="mr-IN" dirty="0" smtClean="0"/>
+              <a:t>"</a:t>
+            </a:r>
+            <a:r>
+              <a:rPr lang="mr-IN" dirty="0" err="1" smtClean="0"/>
+              <a:t>racfid</a:t>
+            </a:r>
+            <a:r>
+              <a:rPr lang="mr-IN" dirty="0" smtClean="0"/>
+              <a:t>=</a:t>
+            </a:r>
+            <a:r>
+              <a:rPr lang="mr-IN" dirty="0" err="1" smtClean="0"/>
+              <a:t>APETK,profiletype</a:t>
+            </a:r>
+            <a:r>
+              <a:rPr lang="mr-IN" dirty="0" smtClean="0"/>
+              <a:t>=GROUP,CN=RACF255,O=IBM,C=RTC"},</a:t>
+            </a:r>
+            <a:endParaRPr lang="en-US" dirty="0" smtClean="0"/>
+          </a:p>
+          <a:p>
+            <a:r>
+              <a:rPr lang="mr-IN" dirty="0" smtClean="0"/>
+              <a:t>            </a:t>
+            </a:r>
+            <a:r>
+              <a:rPr lang="en-US" dirty="0" smtClean="0"/>
+              <a:t> </a:t>
+            </a:r>
+            <a:r>
+              <a:rPr lang="mr-IN" dirty="0" smtClean="0"/>
+              <a:t>{"Developer": </a:t>
+            </a:r>
+            <a:r>
+              <a:rPr lang="en-US" dirty="0" smtClean="0"/>
+              <a:t>          </a:t>
+            </a:r>
+            <a:r>
+              <a:rPr lang="mr-IN" dirty="0" smtClean="0"/>
+              <a:t>"</a:t>
+            </a:r>
+            <a:r>
+              <a:rPr lang="mr-IN" dirty="0" err="1" smtClean="0"/>
+              <a:t>racfid</a:t>
+            </a:r>
+            <a:r>
+              <a:rPr lang="mr-IN" dirty="0" smtClean="0"/>
+              <a:t>=</a:t>
+            </a:r>
+            <a:r>
+              <a:rPr lang="mr-IN" dirty="0" err="1" smtClean="0"/>
+              <a:t>OPETK,profiletype</a:t>
+            </a:r>
+            <a:r>
+              <a:rPr lang="mr-IN" dirty="0" smtClean="0"/>
+              <a:t>=GROUP,CN=RACF255,O=IBM,C=RTC"},</a:t>
+            </a:r>
+            <a:endParaRPr lang="en-US" dirty="0" smtClean="0"/>
+          </a:p>
+          <a:p>
+            <a:r>
+              <a:rPr lang="mr-IN" dirty="0" smtClean="0"/>
+              <a:t>            </a:t>
+            </a:r>
+            <a:r>
+              <a:rPr lang="mr-IN" dirty="0"/>
+              <a:t>{"Project </a:t>
+            </a:r>
+            <a:r>
+              <a:rPr lang="mr-IN" dirty="0" err="1"/>
+              <a:t>Manager</a:t>
+            </a:r>
+            <a:r>
+              <a:rPr lang="mr-IN" dirty="0"/>
+              <a:t>": "</a:t>
+            </a:r>
+            <a:r>
+              <a:rPr lang="mr-IN" dirty="0" err="1"/>
+              <a:t>racfid</a:t>
+            </a:r>
+            <a:r>
+              <a:rPr lang="mr-IN" dirty="0"/>
+              <a:t>=</a:t>
+            </a:r>
+            <a:r>
+              <a:rPr lang="mr-IN" dirty="0" err="1"/>
+              <a:t>APETK,profiletype</a:t>
+            </a:r>
+            <a:r>
+              <a:rPr lang="mr-IN" dirty="0"/>
+              <a:t>=GROUP,CN=RACF255,O=IBM,C=RTC</a:t>
             </a:r>
             <a:r>
               <a:rPr lang="mr-IN" dirty="0" smtClean="0"/>
@@ -6902,418 +7505,29 @@
           <a:p>
             <a:r>
               <a:rPr lang="mr-IN" dirty="0" smtClean="0"/>
-              <a:t>  </a:t>
+              <a:t>            </a:t>
             </a:r>
             <a:r>
               <a:rPr lang="mr-IN" dirty="0"/>
-              <a:t>"</a:t>
+              <a:t>{"</a:t>
             </a:r>
             <a:r>
               <a:rPr lang="mr-IN" dirty="0" err="1"/>
-              <a:t>RTCServers</a:t>
+              <a:t>Tester</a:t>
             </a:r>
             <a:r>
               <a:rPr lang="mr-IN" dirty="0"/>
               <a:t>": </a:t>
             </a:r>
             <a:r>
-              <a:rPr lang="mr-IN" dirty="0" smtClean="0"/>
-              <a:t>[{</a:t>
-            </a:r>
-            <a:endParaRPr lang="en-US" dirty="0" smtClean="0"/>
-          </a:p>
-          <a:p>
-            <a:r>
-              <a:rPr lang="en-US" dirty="0"/>
-              <a:t> </a:t>
-            </a:r>
-            <a:r>
-              <a:rPr lang="en-US" dirty="0" smtClean="0"/>
-              <a:t>       </a:t>
+              <a:rPr lang="en-US" dirty="0" smtClean="0"/>
+              <a:t>                   </a:t>
             </a:r>
             <a:r>
               <a:rPr lang="mr-IN" dirty="0" smtClean="0"/>
               <a:t>"</a:t>
             </a:r>
             <a:r>
-              <a:rPr lang="mr-IN" dirty="0" err="1"/>
-              <a:t>serverURI</a:t>
-            </a:r>
-            <a:r>
-              <a:rPr lang="mr-IN" dirty="0"/>
-              <a:t>": "</a:t>
-            </a:r>
-            <a:r>
-              <a:rPr lang="mr-IN" dirty="0" err="1"/>
-              <a:t>https</a:t>
-            </a:r>
-            <a:r>
-              <a:rPr lang="mr-IN" dirty="0"/>
-              <a:t>://rtceerb.rtp.raleigh.ibm.com:9443/</a:t>
-            </a:r>
-            <a:r>
-              <a:rPr lang="mr-IN" dirty="0" err="1"/>
-              <a:t>ccm</a:t>
-            </a:r>
-            <a:r>
-              <a:rPr lang="mr-IN" dirty="0" smtClean="0"/>
-              <a:t>",</a:t>
-            </a:r>
-            <a:endParaRPr lang="en-US" dirty="0" smtClean="0"/>
-          </a:p>
-          <a:p>
-            <a:r>
-              <a:rPr lang="mr-IN" dirty="0" smtClean="0"/>
-              <a:t>    </a:t>
-            </a:r>
-            <a:r>
-              <a:rPr lang="mr-IN" dirty="0"/>
-              <a:t>"</a:t>
-            </a:r>
-            <a:r>
-              <a:rPr lang="mr-IN" dirty="0" err="1"/>
-              <a:t>admin</a:t>
-            </a:r>
-            <a:r>
-              <a:rPr lang="mr-IN" dirty="0"/>
-              <a:t>": "BGREEN</a:t>
-            </a:r>
-            <a:r>
-              <a:rPr lang="mr-IN" dirty="0" smtClean="0"/>
-              <a:t>",</a:t>
-            </a:r>
-            <a:endParaRPr lang="en-US" dirty="0" smtClean="0"/>
-          </a:p>
-          <a:p>
-            <a:r>
-              <a:rPr lang="mr-IN" dirty="0" smtClean="0"/>
-              <a:t>    </a:t>
-            </a:r>
-            <a:r>
-              <a:rPr lang="mr-IN" dirty="0"/>
-              <a:t>"</a:t>
-            </a:r>
-            <a:r>
-              <a:rPr lang="mr-IN" dirty="0" err="1"/>
-              <a:t>password</a:t>
-            </a:r>
-            <a:r>
-              <a:rPr lang="mr-IN" dirty="0"/>
-              <a:t>": "rtc2fun</a:t>
-            </a:r>
-            <a:r>
-              <a:rPr lang="mr-IN" dirty="0" smtClean="0"/>
-              <a:t>",</a:t>
-            </a:r>
-            <a:endParaRPr lang="en-US" dirty="0" smtClean="0"/>
-          </a:p>
-          <a:p>
-            <a:r>
-              <a:rPr lang="mr-IN" dirty="0" smtClean="0"/>
-              <a:t>    </a:t>
-            </a:r>
-            <a:r>
-              <a:rPr lang="mr-IN" dirty="0"/>
-              <a:t>"</a:t>
-            </a:r>
-            <a:r>
-              <a:rPr lang="mr-IN" dirty="0" err="1"/>
-              <a:t>Licenses</a:t>
-            </a:r>
-            <a:r>
-              <a:rPr lang="mr-IN" dirty="0"/>
-              <a:t>": </a:t>
-            </a:r>
-            <a:r>
-              <a:rPr lang="mr-IN" dirty="0" smtClean="0"/>
-              <a:t>[{</a:t>
-            </a:r>
-            <a:endParaRPr lang="en-US" dirty="0" smtClean="0"/>
-          </a:p>
-          <a:p>
-            <a:r>
-              <a:rPr lang="en-US" dirty="0"/>
-              <a:t> </a:t>
-            </a:r>
-            <a:r>
-              <a:rPr lang="en-US" dirty="0" smtClean="0"/>
-              <a:t>           </a:t>
-            </a:r>
-            <a:r>
-              <a:rPr lang="mr-IN" dirty="0" smtClean="0"/>
-              <a:t>"</a:t>
-            </a:r>
-            <a:r>
-              <a:rPr lang="mr-IN" dirty="0" err="1"/>
-              <a:t>Rational</a:t>
-            </a:r>
-            <a:r>
-              <a:rPr lang="mr-IN" dirty="0"/>
-              <a:t> </a:t>
-            </a:r>
-            <a:r>
-              <a:rPr lang="mr-IN" dirty="0" err="1"/>
-              <a:t>Team</a:t>
-            </a:r>
-            <a:r>
-              <a:rPr lang="mr-IN" dirty="0"/>
-              <a:t> </a:t>
-            </a:r>
-            <a:r>
-              <a:rPr lang="mr-IN" dirty="0" err="1"/>
-              <a:t>Concert</a:t>
-            </a:r>
-            <a:r>
-              <a:rPr lang="mr-IN" dirty="0"/>
-              <a:t> - Developer (</a:t>
-            </a:r>
-            <a:r>
-              <a:rPr lang="mr-IN" dirty="0" err="1"/>
-              <a:t>Trial</a:t>
-            </a:r>
-            <a:r>
-              <a:rPr lang="mr-IN" dirty="0" smtClean="0"/>
-              <a:t>)":</a:t>
-            </a:r>
-            <a:r>
-              <a:rPr lang="en-US" dirty="0" smtClean="0"/>
-              <a:t> </a:t>
-            </a:r>
-            <a:r>
-              <a:rPr lang="mr-IN" dirty="0" smtClean="0"/>
-              <a:t>"</a:t>
-            </a:r>
-            <a:r>
-              <a:rPr lang="mr-IN" dirty="0" err="1"/>
-              <a:t>racfid</a:t>
-            </a:r>
-            <a:r>
-              <a:rPr lang="mr-IN" dirty="0"/>
-              <a:t>=</a:t>
-            </a:r>
-            <a:r>
-              <a:rPr lang="mr-IN" dirty="0" err="1"/>
-              <a:t>RTCFLT,profiletype</a:t>
-            </a:r>
-            <a:r>
-              <a:rPr lang="mr-IN" dirty="0"/>
-              <a:t>=GROUP,CN=RACF255,O=IBM,C=RTC</a:t>
-            </a:r>
-            <a:r>
-              <a:rPr lang="mr-IN" dirty="0" smtClean="0"/>
-              <a:t>"}],</a:t>
-            </a:r>
-            <a:endParaRPr lang="en-US" dirty="0" smtClean="0"/>
-          </a:p>
-          <a:p>
-            <a:r>
-              <a:rPr lang="en-US" dirty="0"/>
-              <a:t> </a:t>
-            </a:r>
-            <a:r>
-              <a:rPr lang="en-US" dirty="0" smtClean="0"/>
-              <a:t>       </a:t>
-            </a:r>
-            <a:r>
-              <a:rPr lang="mr-IN" dirty="0" smtClean="0"/>
-              <a:t>"</a:t>
-            </a:r>
-            <a:r>
-              <a:rPr lang="mr-IN" dirty="0"/>
-              <a:t>Project </a:t>
-            </a:r>
-            <a:r>
-              <a:rPr lang="mr-IN" dirty="0" err="1"/>
-              <a:t>Areas</a:t>
-            </a:r>
-            <a:r>
-              <a:rPr lang="mr-IN" dirty="0"/>
-              <a:t>": </a:t>
-            </a:r>
-            <a:r>
-              <a:rPr lang="mr-IN" dirty="0" smtClean="0"/>
-              <a:t>[{</a:t>
-            </a:r>
-            <a:endParaRPr lang="en-US" dirty="0" smtClean="0"/>
-          </a:p>
-          <a:p>
-            <a:r>
-              <a:rPr lang="mr-IN" dirty="0" smtClean="0"/>
-              <a:t>        </a:t>
-            </a:r>
-            <a:r>
-              <a:rPr lang="mr-IN" dirty="0"/>
-              <a:t>"</a:t>
-            </a:r>
-            <a:r>
-              <a:rPr lang="mr-IN" dirty="0" err="1"/>
-              <a:t>name</a:t>
-            </a:r>
-            <a:r>
-              <a:rPr lang="mr-IN" dirty="0"/>
-              <a:t>": "</a:t>
-            </a:r>
-            <a:r>
-              <a:rPr lang="mr-IN" dirty="0" err="1"/>
-              <a:t>Pet</a:t>
-            </a:r>
-            <a:r>
-              <a:rPr lang="mr-IN" dirty="0"/>
-              <a:t> </a:t>
-            </a:r>
-            <a:r>
-              <a:rPr lang="mr-IN" dirty="0" err="1"/>
-              <a:t>Store</a:t>
-            </a:r>
-            <a:r>
-              <a:rPr lang="mr-IN" dirty="0" smtClean="0"/>
-              <a:t>",</a:t>
-            </a:r>
-            <a:endParaRPr lang="en-US" dirty="0" smtClean="0"/>
-          </a:p>
-          <a:p>
-            <a:r>
-              <a:rPr lang="mr-IN" dirty="0" smtClean="0"/>
-              <a:t>        </a:t>
-            </a:r>
-            <a:r>
-              <a:rPr lang="mr-IN" dirty="0"/>
-              <a:t>"</a:t>
-            </a:r>
-            <a:r>
-              <a:rPr lang="mr-IN" dirty="0" err="1"/>
-              <a:t>Administrators</a:t>
-            </a:r>
-            <a:r>
-              <a:rPr lang="mr-IN" dirty="0"/>
-              <a:t>": "</a:t>
-            </a:r>
-            <a:r>
-              <a:rPr lang="mr-IN" dirty="0" err="1"/>
-              <a:t>racfid</a:t>
-            </a:r>
-            <a:r>
-              <a:rPr lang="mr-IN" dirty="0"/>
-              <a:t>=</a:t>
-            </a:r>
-            <a:r>
-              <a:rPr lang="mr-IN" dirty="0" err="1"/>
-              <a:t>JAZPADMN,profiletype</a:t>
-            </a:r>
-            <a:r>
-              <a:rPr lang="mr-IN" dirty="0"/>
-              <a:t>=GROUP,CN=RACF255,O=IBM,C=RTC</a:t>
-            </a:r>
-            <a:r>
-              <a:rPr lang="mr-IN" dirty="0" smtClean="0"/>
-              <a:t>",</a:t>
-            </a:r>
-            <a:endParaRPr lang="en-US" dirty="0" smtClean="0"/>
-          </a:p>
-          <a:p>
-            <a:r>
-              <a:rPr lang="mr-IN" dirty="0" smtClean="0"/>
-              <a:t>        </a:t>
-            </a:r>
-            <a:r>
-              <a:rPr lang="mr-IN" dirty="0"/>
-              <a:t>"</a:t>
-            </a:r>
-            <a:r>
-              <a:rPr lang="mr-IN" dirty="0" err="1"/>
-              <a:t>Members</a:t>
-            </a:r>
-            <a:r>
-              <a:rPr lang="mr-IN" dirty="0"/>
-              <a:t>": </a:t>
-            </a:r>
-            <a:r>
-              <a:rPr lang="en-US" dirty="0" smtClean="0"/>
-              <a:t>         </a:t>
-            </a:r>
-            <a:r>
-              <a:rPr lang="mr-IN" dirty="0" smtClean="0"/>
-              <a:t>"</a:t>
-            </a:r>
-            <a:r>
-              <a:rPr lang="mr-IN" dirty="0" err="1"/>
-              <a:t>racfid</a:t>
-            </a:r>
-            <a:r>
-              <a:rPr lang="mr-IN" dirty="0"/>
-              <a:t>=</a:t>
-            </a:r>
-            <a:r>
-              <a:rPr lang="mr-IN" dirty="0" err="1"/>
-              <a:t>JAZZGRP,profiletype</a:t>
-            </a:r>
-            <a:r>
-              <a:rPr lang="mr-IN" dirty="0"/>
-              <a:t>=GROUP,CN=RACF255,O=IBM,C=RTC</a:t>
-            </a:r>
-            <a:r>
-              <a:rPr lang="mr-IN" dirty="0" smtClean="0"/>
-              <a:t>",</a:t>
-            </a:r>
-            <a:endParaRPr lang="en-US" dirty="0" smtClean="0"/>
-          </a:p>
-          <a:p>
-            <a:r>
-              <a:rPr lang="mr-IN" dirty="0" smtClean="0"/>
-              <a:t>        </a:t>
-            </a:r>
-            <a:r>
-              <a:rPr lang="mr-IN" dirty="0"/>
-              <a:t>"</a:t>
-            </a:r>
-            <a:r>
-              <a:rPr lang="mr-IN" dirty="0" err="1"/>
-              <a:t>Process</a:t>
-            </a:r>
-            <a:r>
-              <a:rPr lang="mr-IN" dirty="0"/>
-              <a:t> </a:t>
-            </a:r>
-            <a:r>
-              <a:rPr lang="mr-IN" dirty="0" err="1"/>
-              <a:t>Roles</a:t>
-            </a:r>
-            <a:r>
-              <a:rPr lang="mr-IN" dirty="0"/>
-              <a:t>": </a:t>
-            </a:r>
-            <a:r>
-              <a:rPr lang="mr-IN" dirty="0" smtClean="0"/>
-              <a:t>[</a:t>
-            </a:r>
-            <a:endParaRPr lang="en-US" dirty="0" smtClean="0"/>
-          </a:p>
-          <a:p>
-            <a:r>
-              <a:rPr lang="mr-IN" dirty="0" smtClean="0"/>
-              <a:t>            </a:t>
-            </a:r>
-            <a:r>
-              <a:rPr lang="mr-IN" dirty="0"/>
-              <a:t>{"</a:t>
-            </a:r>
-            <a:r>
-              <a:rPr lang="mr-IN" dirty="0" err="1" smtClean="0"/>
-              <a:t>Analyst</a:t>
-            </a:r>
-            <a:r>
-              <a:rPr lang="mr-IN" dirty="0" smtClean="0"/>
-              <a:t>": </a:t>
-            </a:r>
-            <a:r>
-              <a:rPr lang="en-US" dirty="0" smtClean="0"/>
-              <a:t>               </a:t>
-            </a:r>
-            <a:r>
-              <a:rPr lang="mr-IN" dirty="0" smtClean="0"/>
-              <a:t>"</a:t>
-            </a:r>
-            <a:r>
               <a:rPr lang="mr-IN" dirty="0" err="1" smtClean="0"/>
               <a:t>racfid</a:t>
             </a:r>
@@ -7323,131 +7537,18 @@
             </a:r>
             <a:r>
               <a:rPr lang="mr-IN" dirty="0" err="1" smtClean="0"/>
-              <a:t>APETK,profiletype</a:t>
+              <a:t>T</a:t>
+            </a:r>
+            <a:r>
+              <a:rPr lang="en-US" dirty="0" smtClean="0"/>
+              <a:t>PET</a:t>
+            </a:r>
+            <a:r>
+              <a:rPr lang="mr-IN" dirty="0" err="1" smtClean="0"/>
+              <a:t>K,profiletype</a:t>
             </a:r>
             <a:r>
               <a:rPr lang="mr-IN" dirty="0" smtClean="0"/>
-              <a:t>=GROUP,CN=RACF255,O=IBM,C=RTC"},</a:t>
-            </a:r>
-            <a:endParaRPr lang="en-US" dirty="0" smtClean="0"/>
-          </a:p>
-          <a:p>
-            <a:r>
-              <a:rPr lang="mr-IN" dirty="0" smtClean="0"/>
-              <a:t>            </a:t>
-            </a:r>
-            <a:r>
-              <a:rPr lang="en-US" dirty="0" smtClean="0"/>
-              <a:t> </a:t>
-            </a:r>
-            <a:r>
-              <a:rPr lang="mr-IN" dirty="0" smtClean="0"/>
-              <a:t>{"Developer": </a:t>
-            </a:r>
-            <a:r>
-              <a:rPr lang="en-US" dirty="0" smtClean="0"/>
-              <a:t>          </a:t>
-            </a:r>
-            <a:r>
-              <a:rPr lang="mr-IN" dirty="0" smtClean="0"/>
-              <a:t>"</a:t>
-            </a:r>
-            <a:r>
-              <a:rPr lang="mr-IN" dirty="0" err="1" smtClean="0"/>
-              <a:t>racfid</a:t>
-            </a:r>
-            <a:r>
-              <a:rPr lang="mr-IN" dirty="0" smtClean="0"/>
-              <a:t>=</a:t>
-            </a:r>
-            <a:r>
-              <a:rPr lang="mr-IN" dirty="0" err="1" smtClean="0"/>
-              <a:t>OPETK,profiletype</a:t>
-            </a:r>
-            <a:r>
-              <a:rPr lang="mr-IN" dirty="0" smtClean="0"/>
-              <a:t>=GROUP,CN=RACF255,O=IBM,C=RTC"},</a:t>
-            </a:r>
-            <a:endParaRPr lang="en-US" dirty="0" smtClean="0"/>
-          </a:p>
-          <a:p>
-            <a:r>
-              <a:rPr lang="mr-IN" dirty="0" smtClean="0"/>
-              <a:t>            </a:t>
-            </a:r>
-            <a:r>
-              <a:rPr lang="mr-IN" dirty="0"/>
-              <a:t>{"Project </a:t>
-            </a:r>
-            <a:r>
-              <a:rPr lang="mr-IN" dirty="0" err="1"/>
-              <a:t>Manager</a:t>
-            </a:r>
-            <a:r>
-              <a:rPr lang="mr-IN" dirty="0"/>
-              <a:t>": "</a:t>
-            </a:r>
-            <a:r>
-              <a:rPr lang="mr-IN" dirty="0" err="1"/>
-              <a:t>racfid</a:t>
-            </a:r>
-            <a:r>
-              <a:rPr lang="mr-IN" dirty="0"/>
-              <a:t>=</a:t>
-            </a:r>
-            <a:r>
-              <a:rPr lang="mr-IN" dirty="0" err="1"/>
-              <a:t>APETK,profiletype</a:t>
-            </a:r>
-            <a:r>
-              <a:rPr lang="mr-IN" dirty="0"/>
-              <a:t>=GROUP,CN=RACF255,O=IBM,C=RTC</a:t>
-            </a:r>
-            <a:r>
-              <a:rPr lang="mr-IN" dirty="0" smtClean="0"/>
-              <a:t>"},</a:t>
-            </a:r>
-            <a:endParaRPr lang="en-US" dirty="0" smtClean="0"/>
-          </a:p>
-          <a:p>
-            <a:r>
-              <a:rPr lang="mr-IN" dirty="0" smtClean="0"/>
-              <a:t>            </a:t>
-            </a:r>
-            <a:r>
-              <a:rPr lang="mr-IN" dirty="0"/>
-              <a:t>{"</a:t>
-            </a:r>
-            <a:r>
-              <a:rPr lang="mr-IN" dirty="0" err="1"/>
-              <a:t>Tester</a:t>
-            </a:r>
-            <a:r>
-              <a:rPr lang="mr-IN" dirty="0"/>
-              <a:t>": </a:t>
-            </a:r>
-            <a:r>
-              <a:rPr lang="en-US" dirty="0" smtClean="0"/>
-              <a:t>                   </a:t>
-            </a:r>
-            <a:r>
-              <a:rPr lang="mr-IN" dirty="0" smtClean="0"/>
-              <a:t>"</a:t>
-            </a:r>
-            <a:r>
-              <a:rPr lang="mr-IN" dirty="0" err="1"/>
-              <a:t>racfid</a:t>
-            </a:r>
-            <a:r>
-              <a:rPr lang="mr-IN" dirty="0"/>
-              <a:t>=</a:t>
-            </a:r>
-            <a:r>
-              <a:rPr lang="mr-IN" dirty="0" err="1"/>
-              <a:t>TJKEK,profiletype</a:t>
-            </a:r>
-            <a:r>
-              <a:rPr lang="mr-IN" dirty="0"/>
               <a:t>=GROUP,CN=RACF255,O=IBM,C=RTC</a:t>
             </a:r>
             <a:r>
@@ -7547,9 +7648,28 @@
             </a:r>
             <a:r>
               <a:rPr lang="en-US" dirty="0" smtClean="0"/>
-              <a:t>? Do all users have this attribute?</a:t>
-            </a:r>
-            <a:endParaRPr lang="en-US" dirty="0"/>
+              <a:t>? Do all users have this attribute</a:t>
+            </a:r>
+            <a:r>
+              <a:rPr lang="en-US" dirty="0" smtClean="0"/>
+              <a:t>? </a:t>
+            </a:r>
+            <a:r>
+              <a:rPr lang="mr-IN" dirty="0" smtClean="0"/>
+              <a:t>–</a:t>
+            </a:r>
+            <a:r>
+              <a:rPr lang="en-US" dirty="0" smtClean="0"/>
+              <a:t> This is actually handled by </a:t>
+            </a:r>
+            <a:r>
+              <a:rPr lang="en-US" dirty="0" err="1" smtClean="0"/>
+              <a:t>repotools_userSync</a:t>
+            </a:r>
+            <a:r>
+              <a:rPr lang="en-US" dirty="0" smtClean="0"/>
+              <a:t> and not an issue with LDAP2RTDSync</a:t>
+            </a:r>
           </a:p>
           <a:p>
             <a:pPr marL="457200" indent="-457200">
@@ -7558,12 +7678,9 @@
             </a:pPr>
             <a:r>
               <a:rPr lang="en-US" dirty="0" smtClean="0"/>
-              <a:t>Do </a:t>
-            </a:r>
-            <a:r>
-              <a:rPr lang="en-US" dirty="0"/>
-              <a:t>all user sync operations need to be logged, or just errors and warnings?</a:t>
-            </a:r>
+              <a:t>Does Rabobank use Team Areas? Yes</a:t>
+            </a:r>
+            <a:endParaRPr lang="en-US" dirty="0"/>
           </a:p>
           <a:p>
             <a:pPr marL="457200" indent="-457200">
@@ -7571,16 +7688,31 @@
               <a:buAutoNum type="arabicPeriod"/>
             </a:pPr>
             <a:r>
+              <a:rPr lang="en-US" dirty="0" smtClean="0"/>
+              <a:t>Do </a:t>
+            </a:r>
+            <a:r>
+              <a:rPr lang="en-US" dirty="0"/>
+              <a:t>all user sync operations need to be logged, or just errors and warnings</a:t>
+            </a:r>
+            <a:r>
+              <a:rPr lang="en-US" dirty="0" smtClean="0"/>
+              <a:t>? Just errors and warnings need to be logged.</a:t>
+            </a:r>
+            <a:endParaRPr lang="en-US" dirty="0"/>
+          </a:p>
+          <a:p>
+            <a:pPr marL="457200" indent="-457200">
+              <a:buFont typeface="+mj-lt"/>
+              <a:buAutoNum type="arabicPeriod"/>
+            </a:pPr>
+            <a:r>
               <a:rPr lang="en-US" dirty="0"/>
               <a:t>Should a —simulate option be supported to log what will be done without making the changes in RTC</a:t>
             </a:r>
             <a:r>
               <a:rPr lang="en-US" dirty="0" smtClean="0"/>
-              <a:t>? Yes, especially if a configuration mapping file is required to debug the file</a:t>
-            </a:r>
-            <a:r>
-              <a:rPr lang="en-US" dirty="0" smtClean="0"/>
-              <a:t>.</a:t>
+              <a:t>? Yes, especially if a configuration mapping file is required to debug the file.</a:t>
             </a:r>
             <a:endParaRPr lang="en-US" dirty="0"/>
           </a:p>
